--- a/Abgabe/Presentation.pptx
+++ b/Abgabe/Presentation.pptx
@@ -113,7 +113,9 @@
 
 <file path=ppt/charts/chart1.xml><?xml version="1.0" encoding="utf-8"?>
 <c:chartSpace xmlns:c="http://schemas.openxmlformats.org/drawingml/2006/chart" xmlns:a="http://schemas.openxmlformats.org/drawingml/2006/main" xmlns:r="http://schemas.openxmlformats.org/officeDocument/2006/relationships">
+  <c:date1904 val="1"/>
   <c:lang val="de-DE"/>
+  <c:style val="10"/>
   <c:chart>
     <c:title>
       <c:tx>
@@ -125,30 +127,9 @@
               <a:defRPr/>
             </a:pPr>
             <a:r>
-              <a:rPr lang="de-DE" dirty="0" smtClean="0"/>
-              <a:t>The </a:t>
-            </a:r>
-            <a:r>
-              <a:rPr lang="de-DE" dirty="0" err="1" smtClean="0"/>
-              <a:t>response</a:t>
-            </a:r>
-            <a:r>
-              <a:rPr lang="de-DE" baseline="0" dirty="0" smtClean="0"/>
-              <a:t> time </a:t>
-            </a:r>
-            <a:r>
-              <a:rPr lang="de-DE" baseline="0" dirty="0" err="1" smtClean="0"/>
-              <a:t>with</a:t>
-            </a:r>
-            <a:r>
-              <a:rPr lang="de-DE" baseline="0" dirty="0" smtClean="0"/>
-              <a:t> </a:t>
-            </a:r>
-            <a:r>
-              <a:rPr lang="de-DE" dirty="0" smtClean="0"/>
-              <a:t>1 terminal</a:t>
-            </a:r>
-            <a:endParaRPr lang="de-DE" dirty="0"/>
+              <a:rPr lang="de-DE"/>
+              <a:t>The response time with 1 terminal</a:t>
+            </a:r>
           </a:p>
         </c:rich>
       </c:tx>
@@ -363,32 +344,58 @@
             </c:numRef>
           </c:val>
         </c:ser>
-        <c:axId val="79739904"/>
-        <c:axId val="79753984"/>
+        <c:axId val="92865280"/>
+        <c:axId val="92866816"/>
       </c:barChart>
       <c:catAx>
-        <c:axId val="79739904"/>
+        <c:axId val="92865280"/>
         <c:scaling>
           <c:orientation val="minMax"/>
         </c:scaling>
         <c:axPos val="b"/>
         <c:tickLblPos val="nextTo"/>
-        <c:crossAx val="79753984"/>
+        <c:crossAx val="92866816"/>
         <c:crosses val="autoZero"/>
         <c:auto val="1"/>
         <c:lblAlgn val="ctr"/>
         <c:lblOffset val="100"/>
       </c:catAx>
       <c:valAx>
-        <c:axId val="79753984"/>
+        <c:axId val="92866816"/>
         <c:scaling>
           <c:orientation val="minMax"/>
         </c:scaling>
         <c:axPos val="l"/>
         <c:majorGridlines/>
-        <c:numFmt formatCode="General" sourceLinked="1"/>
+        <c:title>
+          <c:tx>
+            <c:rich>
+              <a:bodyPr rot="0" vert="horz"/>
+              <a:lstStyle/>
+              <a:p>
+                <a:pPr>
+                  <a:defRPr/>
+                </a:pPr>
+                <a:r>
+                  <a:rPr lang="de-DE" dirty="0" err="1" smtClean="0"/>
+                  <a:t>msec</a:t>
+                </a:r>
+                <a:endParaRPr lang="de-DE" dirty="0"/>
+              </a:p>
+            </c:rich>
+          </c:tx>
+          <c:layout>
+            <c:manualLayout>
+              <c:xMode val="edge"/>
+              <c:yMode val="edge"/>
+              <c:x val="8.1580548674447473E-2"/>
+              <c:y val="2.5381249568638641E-2"/>
+            </c:manualLayout>
+          </c:layout>
+        </c:title>
+        <c:numFmt formatCode="#,##0" sourceLinked="0"/>
         <c:tickLblPos val="nextTo"/>
-        <c:crossAx val="79739904"/>
+        <c:crossAx val="92865280"/>
         <c:crosses val="autoZero"/>
         <c:crossBetween val="between"/>
       </c:valAx>
@@ -644,36 +651,59 @@
             </c:numRef>
           </c:val>
         </c:ser>
-        <c:dLbls>
-          <c:dLblPos val="t"/>
-        </c:dLbls>
         <c:marker val="1"/>
-        <c:axId val="79681024"/>
-        <c:axId val="79682560"/>
+        <c:axId val="92906624"/>
+        <c:axId val="92908160"/>
       </c:lineChart>
       <c:catAx>
-        <c:axId val="79681024"/>
+        <c:axId val="92906624"/>
         <c:scaling>
           <c:orientation val="minMax"/>
         </c:scaling>
         <c:axPos val="b"/>
         <c:tickLblPos val="nextTo"/>
-        <c:crossAx val="79682560"/>
+        <c:crossAx val="92908160"/>
         <c:crosses val="autoZero"/>
         <c:auto val="1"/>
         <c:lblAlgn val="ctr"/>
         <c:lblOffset val="100"/>
       </c:catAx>
       <c:valAx>
-        <c:axId val="79682560"/>
+        <c:axId val="92908160"/>
         <c:scaling>
           <c:orientation val="minMax"/>
         </c:scaling>
         <c:axPos val="l"/>
         <c:majorGridlines/>
-        <c:numFmt formatCode="General" sourceLinked="1"/>
+        <c:title>
+          <c:tx>
+            <c:rich>
+              <a:bodyPr rot="0" vert="horz"/>
+              <a:lstStyle/>
+              <a:p>
+                <a:pPr>
+                  <a:defRPr/>
+                </a:pPr>
+                <a:r>
+                  <a:rPr lang="de-DE" dirty="0" err="1" smtClean="0"/>
+                  <a:t>msec</a:t>
+                </a:r>
+                <a:endParaRPr lang="de-DE" dirty="0"/>
+              </a:p>
+            </c:rich>
+          </c:tx>
+          <c:layout>
+            <c:manualLayout>
+              <c:xMode val="edge"/>
+              <c:yMode val="edge"/>
+              <c:x val="0"/>
+              <c:y val="8.4105647704204353E-2"/>
+            </c:manualLayout>
+          </c:layout>
+        </c:title>
+        <c:numFmt formatCode="#,##0" sourceLinked="0"/>
         <c:tickLblPos val="nextTo"/>
-        <c:crossAx val="79681024"/>
+        <c:crossAx val="92906624"/>
         <c:crosses val="autoZero"/>
         <c:crossBetween val="between"/>
       </c:valAx>
@@ -810,7 +840,7 @@
             <a:fld id="{8DB253D9-8C64-4741-B800-F7C70C5C20B0}" type="datetimeFigureOut">
               <a:rPr lang="de-DE" smtClean="0"/>
               <a:pPr/>
-              <a:t>22.01.2016</a:t>
+              <a:t>24.01.2016</a:t>
             </a:fld>
             <a:endParaRPr lang="de-DE" dirty="0"/>
           </a:p>
@@ -1038,7 +1068,7 @@
             <a:fld id="{8DB253D9-8C64-4741-B800-F7C70C5C20B0}" type="datetimeFigureOut">
               <a:rPr lang="de-DE" smtClean="0"/>
               <a:pPr/>
-              <a:t>22.01.2016</a:t>
+              <a:t>24.01.2016</a:t>
             </a:fld>
             <a:endParaRPr lang="de-DE" dirty="0"/>
           </a:p>
@@ -1215,7 +1245,7 @@
             <a:fld id="{8DB253D9-8C64-4741-B800-F7C70C5C20B0}" type="datetimeFigureOut">
               <a:rPr lang="de-DE" smtClean="0"/>
               <a:pPr/>
-              <a:t>22.01.2016</a:t>
+              <a:t>24.01.2016</a:t>
             </a:fld>
             <a:endParaRPr lang="de-DE" dirty="0"/>
           </a:p>
@@ -1382,7 +1412,7 @@
             <a:fld id="{8DB253D9-8C64-4741-B800-F7C70C5C20B0}" type="datetimeFigureOut">
               <a:rPr lang="de-DE" smtClean="0"/>
               <a:pPr/>
-              <a:t>22.01.2016</a:t>
+              <a:t>24.01.2016</a:t>
             </a:fld>
             <a:endParaRPr lang="de-DE" dirty="0"/>
           </a:p>
@@ -1628,7 +1658,7 @@
             <a:fld id="{8DB253D9-8C64-4741-B800-F7C70C5C20B0}" type="datetimeFigureOut">
               <a:rPr lang="de-DE" smtClean="0"/>
               <a:pPr/>
-              <a:t>22.01.2016</a:t>
+              <a:t>24.01.2016</a:t>
             </a:fld>
             <a:endParaRPr lang="de-DE" dirty="0"/>
           </a:p>
@@ -1894,7 +1924,7 @@
             <a:fld id="{8DB253D9-8C64-4741-B800-F7C70C5C20B0}" type="datetimeFigureOut">
               <a:rPr lang="de-DE" smtClean="0"/>
               <a:pPr/>
-              <a:t>22.01.2016</a:t>
+              <a:t>24.01.2016</a:t>
             </a:fld>
             <a:endParaRPr lang="de-DE" dirty="0"/>
           </a:p>
@@ -2270,7 +2300,7 @@
             <a:fld id="{8DB253D9-8C64-4741-B800-F7C70C5C20B0}" type="datetimeFigureOut">
               <a:rPr lang="de-DE" smtClean="0"/>
               <a:pPr/>
-              <a:t>22.01.2016</a:t>
+              <a:t>24.01.2016</a:t>
             </a:fld>
             <a:endParaRPr lang="de-DE" dirty="0"/>
           </a:p>
@@ -2385,7 +2415,7 @@
             <a:fld id="{8DB253D9-8C64-4741-B800-F7C70C5C20B0}" type="datetimeFigureOut">
               <a:rPr lang="de-DE" smtClean="0"/>
               <a:pPr/>
-              <a:t>22.01.2016</a:t>
+              <a:t>24.01.2016</a:t>
             </a:fld>
             <a:endParaRPr lang="de-DE" dirty="0"/>
           </a:p>
@@ -2477,7 +2507,7 @@
             <a:fld id="{8DB253D9-8C64-4741-B800-F7C70C5C20B0}" type="datetimeFigureOut">
               <a:rPr lang="de-DE" smtClean="0"/>
               <a:pPr/>
-              <a:t>22.01.2016</a:t>
+              <a:t>24.01.2016</a:t>
             </a:fld>
             <a:endParaRPr lang="de-DE" dirty="0"/>
           </a:p>
@@ -2737,7 +2767,7 @@
             <a:fld id="{8DB253D9-8C64-4741-B800-F7C70C5C20B0}" type="datetimeFigureOut">
               <a:rPr lang="de-DE" smtClean="0"/>
               <a:pPr/>
-              <a:t>22.01.2016</a:t>
+              <a:t>24.01.2016</a:t>
             </a:fld>
             <a:endParaRPr lang="de-DE" dirty="0"/>
           </a:p>
@@ -3003,7 +3033,7 @@
             <a:fld id="{8DB253D9-8C64-4741-B800-F7C70C5C20B0}" type="datetimeFigureOut">
               <a:rPr lang="de-DE" smtClean="0"/>
               <a:pPr/>
-              <a:t>22.01.2016</a:t>
+              <a:t>24.01.2016</a:t>
             </a:fld>
             <a:endParaRPr lang="de-DE" dirty="0"/>
           </a:p>
@@ -3222,7 +3252,7 @@
             <a:fld id="{8DB253D9-8C64-4741-B800-F7C70C5C20B0}" type="datetimeFigureOut">
               <a:rPr lang="de-DE" smtClean="0"/>
               <a:pPr/>
-              <a:t>22.01.2016</a:t>
+              <a:t>24.01.2016</a:t>
             </a:fld>
             <a:endParaRPr lang="de-DE" dirty="0"/>
           </a:p>
@@ -3789,7 +3819,7 @@
     </p:spTree>
     <p:extLst>
       <p:ext uri="{BB962C8B-B14F-4D97-AF65-F5344CB8AC3E}">
-        <p14:creationId xmlns="" xmlns:p14="http://schemas.microsoft.com/office/powerpoint/2010/main" val="2147983659"/>
+        <p14:creationId xmlns:p14="http://schemas.microsoft.com/office/powerpoint/2010/main" xmlns="" val="2147983659"/>
       </p:ext>
     </p:extLst>
   </p:cSld>
@@ -3873,7 +3903,6 @@
               <a:rPr lang="en-US" dirty="0" smtClean="0"/>
               <a:t>Visualization of all analyses </a:t>
             </a:r>
-            <a:endParaRPr lang="en-US" dirty="0" smtClean="0"/>
           </a:p>
           <a:p>
             <a:pPr>
@@ -3881,12 +3910,13 @@
             </a:pPr>
             <a:r>
               <a:rPr lang="en-US" dirty="0" smtClean="0"/>
-              <a:t>	Q1 </a:t>
+              <a:t>	Q1 – </a:t>
             </a:r>
             <a:r>
               <a:rPr lang="en-US" dirty="0" smtClean="0"/>
-              <a:t>– Q7</a:t>
-            </a:r>
+              <a:t>Q7</a:t>
+            </a:r>
+            <a:endParaRPr lang="en-US" dirty="0" smtClean="0"/>
           </a:p>
           <a:p>
             <a:pPr>
@@ -3900,7 +3930,6 @@
               <a:rPr lang="en-US" dirty="0" smtClean="0"/>
               <a:t>All information is displayable </a:t>
             </a:r>
-            <a:endParaRPr lang="en-US" dirty="0" smtClean="0"/>
           </a:p>
           <a:p>
             <a:pPr>
@@ -3908,15 +3937,7 @@
             </a:pPr>
             <a:r>
               <a:rPr lang="en-US" dirty="0" smtClean="0"/>
-              <a:t>	</a:t>
-            </a:r>
-            <a:r>
-              <a:rPr lang="en-US" dirty="0" smtClean="0"/>
-              <a:t>by </a:t>
-            </a:r>
-            <a:r>
-              <a:rPr lang="en-US" dirty="0" smtClean="0"/>
-              <a:t>election year</a:t>
+              <a:t>	by election year</a:t>
             </a:r>
           </a:p>
           <a:p>
@@ -3944,7 +3965,6 @@
               <a:rPr lang="en-US" dirty="0" smtClean="0"/>
               <a:t>Coalition diagram </a:t>
             </a:r>
-            <a:endParaRPr lang="en-US" dirty="0" smtClean="0"/>
           </a:p>
           <a:p>
             <a:pPr>
@@ -3952,15 +3972,7 @@
             </a:pPr>
             <a:r>
               <a:rPr lang="en-US" dirty="0" smtClean="0"/>
-              <a:t>	</a:t>
-            </a:r>
-            <a:r>
-              <a:rPr lang="en-US" dirty="0" smtClean="0"/>
-              <a:t>(</a:t>
-            </a:r>
-            <a:r>
-              <a:rPr lang="en-US" dirty="0" smtClean="0"/>
-              <a:t>up to 3 parties)</a:t>
+              <a:t>	(up to 3 parties)</a:t>
             </a:r>
           </a:p>
           <a:p>
@@ -4038,7 +4050,7 @@
     </p:spTree>
     <p:extLst>
       <p:ext uri="{BB962C8B-B14F-4D97-AF65-F5344CB8AC3E}">
-        <p14:creationId xmlns="" xmlns:p14="http://schemas.microsoft.com/office/powerpoint/2010/main" val="3510212966"/>
+        <p14:creationId xmlns:p14="http://schemas.microsoft.com/office/powerpoint/2010/main" xmlns="" val="3510212966"/>
       </p:ext>
     </p:extLst>
   </p:cSld>
@@ -4131,11 +4143,7 @@
             </a:pPr>
             <a:r>
               <a:rPr lang="en-US" dirty="0" smtClean="0"/>
-              <a:t>Data </a:t>
-            </a:r>
-            <a:r>
-              <a:rPr lang="en-US" dirty="0" smtClean="0"/>
-              <a:t>privacy</a:t>
+              <a:t>Data privacy</a:t>
             </a:r>
           </a:p>
           <a:p>
@@ -4148,28 +4156,15 @@
             </a:pPr>
             <a:r>
               <a:rPr lang="en-US" dirty="0" smtClean="0"/>
-              <a:t>Prevention </a:t>
-            </a:r>
+              <a:t>Prevention of election fraud</a:t>
+            </a:r>
+          </a:p>
+          <a:p>
+            <a:pPr lvl="1"/>
             <a:r>
               <a:rPr lang="en-US" dirty="0" smtClean="0"/>
-              <a:t>of election fraud</a:t>
-            </a:r>
-          </a:p>
-          <a:p>
-            <a:pPr lvl="1"/>
-            <a:r>
-              <a:rPr lang="en-US" dirty="0" smtClean="0"/>
-              <a:t>The </a:t>
-            </a:r>
-            <a:r>
-              <a:rPr lang="en-US" dirty="0" smtClean="0"/>
-              <a:t>token and date of birth are not </a:t>
-            </a:r>
-            <a:r>
-              <a:rPr lang="en-US" dirty="0" smtClean="0"/>
-              <a:t>correlated</a:t>
-            </a:r>
-            <a:endParaRPr lang="en-US" dirty="0" smtClean="0"/>
+              <a:t>The token and date of birth are not correlated</a:t>
+            </a:r>
           </a:p>
           <a:p>
             <a:pPr lvl="1"/>
@@ -4195,25 +4190,8 @@
             <a:pPr lvl="1"/>
             <a:r>
               <a:rPr lang="en-US" dirty="0" smtClean="0"/>
-              <a:t>The token is </a:t>
-            </a:r>
-            <a:r>
-              <a:rPr lang="en-US" dirty="0" smtClean="0"/>
-              <a:t>generated as </a:t>
-            </a:r>
-            <a:r>
-              <a:rPr lang="en-US" dirty="0" smtClean="0"/>
-              <a:t>an </a:t>
-            </a:r>
-            <a:r>
-              <a:rPr lang="en-US" dirty="0" smtClean="0"/>
-              <a:t>ascending </a:t>
-            </a:r>
-            <a:r>
-              <a:rPr lang="en-US" dirty="0" smtClean="0"/>
-              <a:t>numeric sequence</a:t>
-            </a:r>
-            <a:endParaRPr lang="en-US" dirty="0" smtClean="0"/>
+              <a:t>The token is generated as an ascending numeric sequence</a:t>
+            </a:r>
           </a:p>
           <a:p>
             <a:pPr lvl="1"/>
@@ -4256,7 +4234,7 @@
     </p:spTree>
     <p:extLst>
       <p:ext uri="{BB962C8B-B14F-4D97-AF65-F5344CB8AC3E}">
-        <p14:creationId xmlns="" xmlns:p14="http://schemas.microsoft.com/office/powerpoint/2010/main" val="2411822926"/>
+        <p14:creationId xmlns:p14="http://schemas.microsoft.com/office/powerpoint/2010/main" xmlns="" val="2411822926"/>
       </p:ext>
     </p:extLst>
   </p:cSld>
@@ -4360,7 +4338,7 @@
     </p:spTree>
     <p:extLst>
       <p:ext uri="{BB962C8B-B14F-4D97-AF65-F5344CB8AC3E}">
-        <p14:creationId xmlns="" xmlns:p14="http://schemas.microsoft.com/office/powerpoint/2010/main" val="1982846922"/>
+        <p14:creationId xmlns:p14="http://schemas.microsoft.com/office/powerpoint/2010/main" xmlns="" val="1982846922"/>
       </p:ext>
     </p:extLst>
   </p:cSld>
@@ -4428,8 +4406,8 @@
           </p:nvPr>
         </p:nvGraphicFramePr>
         <p:xfrm>
-          <a:off x="1139253" y="614597"/>
-          <a:ext cx="10508105" cy="5712268"/>
+          <a:off x="674557" y="554636"/>
+          <a:ext cx="10972801" cy="5772229"/>
         </p:xfrm>
         <a:graphic>
           <a:graphicData uri="http://schemas.openxmlformats.org/drawingml/2006/chart">
